--- a/Project_architectures.pptx
+++ b/Project_architectures.pptx
@@ -2972,7 +2972,7 @@
         </p:nvSpPr>
         <p:spPr>
           <a:xfrm>
-            <a:off x="10121090" y="2257168"/>
+            <a:off x="10083477" y="721613"/>
             <a:ext cx="1749936" cy="1800088"/>
           </a:xfrm>
           <a:prstGeom prst="roundRect">
@@ -3106,7 +3106,7 @@
         </p:nvSpPr>
         <p:spPr>
           <a:xfrm>
-            <a:off x="3056916" y="4925853"/>
+            <a:off x="3081732" y="4925853"/>
             <a:ext cx="1453979" cy="597244"/>
           </a:xfrm>
           <a:prstGeom prst="rect">
@@ -3197,8 +3197,8 @@
         </p:nvCxnSpPr>
         <p:spPr>
           <a:xfrm rot="5400000" flipH="1" flipV="1">
-            <a:off x="2520428" y="3662375"/>
-            <a:ext cx="12700" cy="2526956"/>
+            <a:off x="2532836" y="3649967"/>
+            <a:ext cx="12700" cy="2551772"/>
           </a:xfrm>
           <a:prstGeom prst="bentConnector3">
             <a:avLst>
@@ -3235,8 +3235,8 @@
         </p:nvCxnSpPr>
         <p:spPr>
           <a:xfrm rot="5400000">
-            <a:off x="2520428" y="4259619"/>
-            <a:ext cx="12700" cy="2526956"/>
+            <a:off x="2532836" y="4247211"/>
+            <a:ext cx="12700" cy="2551772"/>
           </a:xfrm>
           <a:prstGeom prst="bentConnector3">
             <a:avLst>
@@ -3346,7 +3346,7 @@
         <p:spPr>
           <a:xfrm>
             <a:off x="1672960" y="5224475"/>
-            <a:ext cx="1383956" cy="0"/>
+            <a:ext cx="1408772" cy="0"/>
           </a:xfrm>
           <a:prstGeom prst="straightConnector1">
             <a:avLst/>
@@ -3550,7 +3550,7 @@
         </p:nvSpPr>
         <p:spPr>
           <a:xfrm>
-            <a:off x="7035719" y="4571966"/>
+            <a:off x="7004456" y="3036411"/>
             <a:ext cx="832021" cy="597244"/>
           </a:xfrm>
           <a:prstGeom prst="rect">
@@ -3594,7 +3594,7 @@
         </p:nvSpPr>
         <p:spPr>
           <a:xfrm>
-            <a:off x="10269069" y="3385716"/>
+            <a:off x="10231456" y="1850161"/>
             <a:ext cx="1453979" cy="597244"/>
           </a:xfrm>
           <a:prstGeom prst="rect">
@@ -3638,7 +3638,7 @@
         </p:nvSpPr>
         <p:spPr>
           <a:xfrm>
-            <a:off x="9251696" y="4571966"/>
+            <a:off x="9214083" y="3036411"/>
             <a:ext cx="1453979" cy="597244"/>
           </a:xfrm>
           <a:prstGeom prst="rect">
@@ -3682,7 +3682,7 @@
         </p:nvSpPr>
         <p:spPr>
           <a:xfrm>
-            <a:off x="10269069" y="2399585"/>
+            <a:off x="10231456" y="864030"/>
             <a:ext cx="1453979" cy="597244"/>
           </a:xfrm>
           <a:prstGeom prst="rect">
@@ -3722,14 +3722,13 @@
         <p:nvCxnSpPr>
           <p:cNvPr id="39" name="Connecteur en angle 38"/>
           <p:cNvCxnSpPr>
-            <a:stCxn id="35" idx="0"/>
             <a:endCxn id="37" idx="0"/>
           </p:cNvCxnSpPr>
           <p:nvPr/>
         </p:nvCxnSpPr>
         <p:spPr>
           <a:xfrm rot="5400000" flipH="1" flipV="1">
-            <a:off x="8715208" y="3308488"/>
+            <a:off x="8677595" y="1772933"/>
             <a:ext cx="12700" cy="2526956"/>
           </a:xfrm>
           <a:prstGeom prst="bentConnector3">
@@ -3761,13 +3760,12 @@
           <p:cNvPr id="40" name="Connecteur en angle 39"/>
           <p:cNvCxnSpPr>
             <a:stCxn id="37" idx="2"/>
-            <a:endCxn id="35" idx="2"/>
           </p:cNvCxnSpPr>
           <p:nvPr/>
         </p:nvCxnSpPr>
         <p:spPr>
           <a:xfrm rot="5400000">
-            <a:off x="8715208" y="3905732"/>
+            <a:off x="8677595" y="2370177"/>
             <a:ext cx="12700" cy="2526956"/>
           </a:xfrm>
           <a:prstGeom prst="bentConnector3">
@@ -3804,7 +3802,7 @@
         </p:nvCxnSpPr>
         <p:spPr>
           <a:xfrm flipV="1">
-            <a:off x="10705675" y="4057256"/>
+            <a:off x="10668062" y="2521701"/>
             <a:ext cx="290383" cy="514710"/>
           </a:xfrm>
           <a:prstGeom prst="straightConnector1">
@@ -3834,14 +3832,13 @@
         <p:nvCxnSpPr>
           <p:cNvPr id="43" name="Connecteur droit avec flèche 42"/>
           <p:cNvCxnSpPr>
-            <a:stCxn id="35" idx="3"/>
             <a:endCxn id="37" idx="1"/>
           </p:cNvCxnSpPr>
           <p:nvPr/>
         </p:nvCxnSpPr>
         <p:spPr>
           <a:xfrm>
-            <a:off x="7867740" y="4870588"/>
+            <a:off x="7830127" y="3335033"/>
             <a:ext cx="1383956" cy="0"/>
           </a:xfrm>
           <a:prstGeom prst="straightConnector1">
@@ -3875,7 +3872,7 @@
         </p:nvSpPr>
         <p:spPr>
           <a:xfrm>
-            <a:off x="8170951" y="4092940"/>
+            <a:off x="8133338" y="2557385"/>
             <a:ext cx="1122423" cy="261610"/>
           </a:xfrm>
           <a:prstGeom prst="rect">
@@ -3909,7 +3906,7 @@
         </p:nvSpPr>
         <p:spPr>
           <a:xfrm>
-            <a:off x="10628764" y="4142539"/>
+            <a:off x="10591151" y="2606984"/>
             <a:ext cx="256802" cy="261610"/>
           </a:xfrm>
           <a:prstGeom prst="rect">
@@ -3939,7 +3936,7 @@
         </p:nvSpPr>
         <p:spPr>
           <a:xfrm>
-            <a:off x="8257652" y="4649912"/>
+            <a:off x="8220039" y="3114357"/>
             <a:ext cx="772969" cy="261610"/>
           </a:xfrm>
           <a:prstGeom prst="rect">
@@ -4702,7 +4699,7 @@
         </p:nvSpPr>
         <p:spPr>
           <a:xfrm>
-            <a:off x="8124345" y="5421669"/>
+            <a:off x="8086732" y="3886114"/>
             <a:ext cx="1112805" cy="261610"/>
           </a:xfrm>
           <a:prstGeom prst="rect">
@@ -4867,7 +4864,7 @@
         </p:nvSpPr>
         <p:spPr>
           <a:xfrm>
-            <a:off x="7940836" y="399648"/>
+            <a:off x="6953338" y="948836"/>
             <a:ext cx="2913939" cy="1107996"/>
           </a:xfrm>
           <a:prstGeom prst="rect">
@@ -5009,7 +5006,7 @@
         </p:nvSpPr>
         <p:spPr>
           <a:xfrm>
-            <a:off x="10629540" y="4519107"/>
+            <a:off x="10658563" y="3143842"/>
             <a:ext cx="1617751" cy="261610"/>
           </a:xfrm>
           <a:prstGeom prst="rect">
@@ -5051,7 +5048,7 @@
         </p:nvSpPr>
         <p:spPr>
           <a:xfrm>
-            <a:off x="10958817" y="4026116"/>
+            <a:off x="10921204" y="2490561"/>
             <a:ext cx="947695" cy="261610"/>
           </a:xfrm>
           <a:prstGeom prst="rect">
@@ -5081,7 +5078,7 @@
         </p:nvSpPr>
         <p:spPr>
           <a:xfrm rot="5400000">
-            <a:off x="10829467" y="3061607"/>
+            <a:off x="10791854" y="1526052"/>
             <a:ext cx="380970" cy="267354"/>
           </a:xfrm>
           <a:prstGeom prst="leftRightArrow">
@@ -5121,7 +5118,7 @@
         </p:nvSpPr>
         <p:spPr>
           <a:xfrm>
-            <a:off x="10223903" y="1581940"/>
+            <a:off x="10186290" y="46385"/>
             <a:ext cx="1544309" cy="707886"/>
           </a:xfrm>
           <a:prstGeom prst="rect">
@@ -5141,6 +5138,386 @@
               <a:t>Object Recognition</a:t>
             </a:r>
             <a:endParaRPr lang="fr-FR" sz="1100" b="1" dirty="0"/>
+          </a:p>
+        </p:txBody>
+      </p:sp>
+      <p:sp>
+        <p:nvSpPr>
+          <p:cNvPr id="111" name="Rectangle 110"/>
+          <p:cNvSpPr/>
+          <p:nvPr/>
+        </p:nvSpPr>
+        <p:spPr>
+          <a:xfrm>
+            <a:off x="7560344" y="5580704"/>
+            <a:ext cx="832021" cy="597244"/>
+          </a:xfrm>
+          <a:prstGeom prst="rect">
+            <a:avLst/>
+          </a:prstGeom>
+        </p:spPr>
+        <p:style>
+          <a:lnRef idx="2">
+            <a:schemeClr val="accent1">
+              <a:shade val="50000"/>
+            </a:schemeClr>
+          </a:lnRef>
+          <a:fillRef idx="1">
+            <a:schemeClr val="accent1"/>
+          </a:fillRef>
+          <a:effectRef idx="0">
+            <a:schemeClr val="accent1"/>
+          </a:effectRef>
+          <a:fontRef idx="minor">
+            <a:schemeClr val="lt1"/>
+          </a:fontRef>
+        </p:style>
+        <p:txBody>
+          <a:bodyPr rtlCol="0" anchor="ctr"/>
+          <a:lstStyle/>
+          <a:p>
+            <a:pPr algn="ctr"/>
+            <a:r>
+              <a:rPr lang="fr-FR" dirty="0" smtClean="0"/>
+              <a:t>Game</a:t>
+            </a:r>
+            <a:endParaRPr lang="fr-FR" dirty="0"/>
+          </a:p>
+        </p:txBody>
+      </p:sp>
+      <p:sp>
+        <p:nvSpPr>
+          <p:cNvPr id="112" name="Rectangle 111"/>
+          <p:cNvSpPr/>
+          <p:nvPr/>
+        </p:nvSpPr>
+        <p:spPr>
+          <a:xfrm>
+            <a:off x="9801137" y="5580704"/>
+            <a:ext cx="1453979" cy="597244"/>
+          </a:xfrm>
+          <a:prstGeom prst="rect">
+            <a:avLst/>
+          </a:prstGeom>
+        </p:spPr>
+        <p:style>
+          <a:lnRef idx="2">
+            <a:schemeClr val="accent1">
+              <a:shade val="50000"/>
+            </a:schemeClr>
+          </a:lnRef>
+          <a:fillRef idx="1">
+            <a:schemeClr val="accent1"/>
+          </a:fillRef>
+          <a:effectRef idx="0">
+            <a:schemeClr val="accent1"/>
+          </a:effectRef>
+          <a:fontRef idx="minor">
+            <a:schemeClr val="lt1"/>
+          </a:fontRef>
+        </p:style>
+        <p:txBody>
+          <a:bodyPr rtlCol="0" anchor="ctr"/>
+          <a:lstStyle/>
+          <a:p>
+            <a:pPr algn="ctr"/>
+            <a:r>
+              <a:rPr lang="fr-FR" dirty="0" err="1" smtClean="0"/>
+              <a:t>MainAI</a:t>
+            </a:r>
+            <a:endParaRPr lang="fr-FR" dirty="0"/>
+          </a:p>
+        </p:txBody>
+      </p:sp>
+      <p:cxnSp>
+        <p:nvCxnSpPr>
+          <p:cNvPr id="113" name="Connecteur en angle 112"/>
+          <p:cNvCxnSpPr>
+            <a:stCxn id="111" idx="0"/>
+            <a:endCxn id="112" idx="0"/>
+          </p:cNvCxnSpPr>
+          <p:nvPr/>
+        </p:nvCxnSpPr>
+        <p:spPr>
+          <a:xfrm rot="5400000" flipH="1" flipV="1">
+            <a:off x="9252241" y="4304818"/>
+            <a:ext cx="12700" cy="2551772"/>
+          </a:xfrm>
+          <a:prstGeom prst="bentConnector3">
+            <a:avLst>
+              <a:gd name="adj1" fmla="val 1800000"/>
+            </a:avLst>
+          </a:prstGeom>
+          <a:ln>
+            <a:tailEnd type="triangle"/>
+          </a:ln>
+        </p:spPr>
+        <p:style>
+          <a:lnRef idx="1">
+            <a:schemeClr val="accent1"/>
+          </a:lnRef>
+          <a:fillRef idx="0">
+            <a:schemeClr val="accent1"/>
+          </a:fillRef>
+          <a:effectRef idx="0">
+            <a:schemeClr val="accent1"/>
+          </a:effectRef>
+          <a:fontRef idx="minor">
+            <a:schemeClr val="tx1"/>
+          </a:fontRef>
+        </p:style>
+      </p:cxnSp>
+      <p:cxnSp>
+        <p:nvCxnSpPr>
+          <p:cNvPr id="114" name="Connecteur en angle 113"/>
+          <p:cNvCxnSpPr>
+            <a:stCxn id="112" idx="2"/>
+            <a:endCxn id="111" idx="2"/>
+          </p:cNvCxnSpPr>
+          <p:nvPr/>
+        </p:nvCxnSpPr>
+        <p:spPr>
+          <a:xfrm rot="5400000">
+            <a:off x="9252241" y="4902062"/>
+            <a:ext cx="12700" cy="2551772"/>
+          </a:xfrm>
+          <a:prstGeom prst="bentConnector3">
+            <a:avLst>
+              <a:gd name="adj1" fmla="val 1800000"/>
+            </a:avLst>
+          </a:prstGeom>
+          <a:ln>
+            <a:tailEnd type="triangle"/>
+          </a:ln>
+        </p:spPr>
+        <p:style>
+          <a:lnRef idx="1">
+            <a:schemeClr val="accent1"/>
+          </a:lnRef>
+          <a:fillRef idx="0">
+            <a:schemeClr val="accent1"/>
+          </a:fillRef>
+          <a:effectRef idx="0">
+            <a:schemeClr val="accent1"/>
+          </a:effectRef>
+          <a:fontRef idx="minor">
+            <a:schemeClr val="tx1"/>
+          </a:fontRef>
+        </p:style>
+      </p:cxnSp>
+      <p:cxnSp>
+        <p:nvCxnSpPr>
+          <p:cNvPr id="117" name="Connecteur droit avec flèche 116"/>
+          <p:cNvCxnSpPr>
+            <a:stCxn id="111" idx="3"/>
+            <a:endCxn id="112" idx="1"/>
+          </p:cNvCxnSpPr>
+          <p:nvPr/>
+        </p:nvCxnSpPr>
+        <p:spPr>
+          <a:xfrm>
+            <a:off x="8392365" y="5879326"/>
+            <a:ext cx="1408772" cy="0"/>
+          </a:xfrm>
+          <a:prstGeom prst="straightConnector1">
+            <a:avLst/>
+          </a:prstGeom>
+          <a:ln>
+            <a:headEnd type="triangle"/>
+            <a:tailEnd type="triangle"/>
+          </a:ln>
+        </p:spPr>
+        <p:style>
+          <a:lnRef idx="1">
+            <a:schemeClr val="accent1"/>
+          </a:lnRef>
+          <a:fillRef idx="0">
+            <a:schemeClr val="accent1"/>
+          </a:fillRef>
+          <a:effectRef idx="0">
+            <a:schemeClr val="accent1"/>
+          </a:effectRef>
+          <a:fontRef idx="minor">
+            <a:schemeClr val="tx1"/>
+          </a:fontRef>
+        </p:style>
+      </p:cxnSp>
+      <p:sp>
+        <p:nvSpPr>
+          <p:cNvPr id="118" name="ZoneTexte 117"/>
+          <p:cNvSpPr txBox="1"/>
+          <p:nvPr/>
+        </p:nvSpPr>
+        <p:spPr>
+          <a:xfrm>
+            <a:off x="8695576" y="5101678"/>
+            <a:ext cx="1095172" cy="261610"/>
+          </a:xfrm>
+          <a:prstGeom prst="rect">
+            <a:avLst/>
+          </a:prstGeom>
+          <a:noFill/>
+        </p:spPr>
+        <p:txBody>
+          <a:bodyPr wrap="none" rtlCol="0">
+            <a:spAutoFit/>
+          </a:bodyPr>
+          <a:lstStyle/>
+          <a:p>
+            <a:r>
+              <a:rPr lang="fr-FR" sz="1100" dirty="0" smtClean="0"/>
+              <a:t>1 : </a:t>
+            </a:r>
+            <a:r>
+              <a:rPr lang="fr-FR" sz="1100" dirty="0" err="1" smtClean="0"/>
+              <a:t>array</a:t>
+            </a:r>
+            <a:r>
+              <a:rPr lang="fr-FR" sz="1100" dirty="0" smtClean="0"/>
+              <a:t>(Image)</a:t>
+            </a:r>
+            <a:endParaRPr lang="fr-FR" sz="1100" dirty="0"/>
+          </a:p>
+        </p:txBody>
+      </p:sp>
+      <p:sp>
+        <p:nvSpPr>
+          <p:cNvPr id="121" name="ZoneTexte 120"/>
+          <p:cNvSpPr txBox="1"/>
+          <p:nvPr/>
+        </p:nvSpPr>
+        <p:spPr>
+          <a:xfrm>
+            <a:off x="8573002" y="6373998"/>
+            <a:ext cx="1112805" cy="261610"/>
+          </a:xfrm>
+          <a:prstGeom prst="rect">
+            <a:avLst/>
+          </a:prstGeom>
+          <a:noFill/>
+        </p:spPr>
+        <p:txBody>
+          <a:bodyPr wrap="none" rtlCol="0">
+            <a:spAutoFit/>
+          </a:bodyPr>
+          <a:lstStyle/>
+          <a:p>
+            <a:r>
+              <a:rPr lang="fr-FR" sz="1100" dirty="0" smtClean="0"/>
+              <a:t>2 : id </a:t>
+            </a:r>
+            <a:r>
+              <a:rPr lang="fr-FR" sz="1100" dirty="0" err="1" smtClean="0"/>
+              <a:t>card</a:t>
+            </a:r>
+            <a:r>
+              <a:rPr lang="fr-FR" sz="1100" dirty="0" smtClean="0"/>
+              <a:t> to flip</a:t>
+            </a:r>
+            <a:endParaRPr lang="fr-FR" sz="1100" dirty="0"/>
+          </a:p>
+        </p:txBody>
+      </p:sp>
+      <p:sp>
+        <p:nvSpPr>
+          <p:cNvPr id="122" name="ZoneTexte 121"/>
+          <p:cNvSpPr txBox="1"/>
+          <p:nvPr/>
+        </p:nvSpPr>
+        <p:spPr>
+          <a:xfrm>
+            <a:off x="8730981" y="5658650"/>
+            <a:ext cx="875561" cy="261610"/>
+          </a:xfrm>
+          <a:prstGeom prst="rect">
+            <a:avLst/>
+          </a:prstGeom>
+          <a:noFill/>
+        </p:spPr>
+        <p:txBody>
+          <a:bodyPr wrap="none" rtlCol="0">
+            <a:spAutoFit/>
+          </a:bodyPr>
+          <a:lstStyle/>
+          <a:p>
+            <a:pPr algn="ctr"/>
+            <a:r>
+              <a:rPr lang="fr-FR" sz="1100" dirty="0"/>
+              <a:t>c</a:t>
+            </a:r>
+            <a:r>
+              <a:rPr lang="fr-FR" sz="1100" dirty="0" smtClean="0"/>
+              <a:t>orrection *</a:t>
+            </a:r>
+            <a:endParaRPr lang="fr-FR" sz="1100" dirty="0"/>
+          </a:p>
+        </p:txBody>
+      </p:sp>
+      <p:cxnSp>
+        <p:nvCxnSpPr>
+          <p:cNvPr id="123" name="Connecteur droit 122"/>
+          <p:cNvCxnSpPr/>
+          <p:nvPr/>
+        </p:nvCxnSpPr>
+        <p:spPr>
+          <a:xfrm flipH="1" flipV="1">
+            <a:off x="6647935" y="4438819"/>
+            <a:ext cx="5528268" cy="21000"/>
+          </a:xfrm>
+          <a:prstGeom prst="line">
+            <a:avLst/>
+          </a:prstGeom>
+        </p:spPr>
+        <p:style>
+          <a:lnRef idx="1">
+            <a:schemeClr val="dk1"/>
+          </a:lnRef>
+          <a:fillRef idx="0">
+            <a:schemeClr val="dk1"/>
+          </a:fillRef>
+          <a:effectRef idx="0">
+            <a:schemeClr val="dk1"/>
+          </a:effectRef>
+          <a:fontRef idx="minor">
+            <a:schemeClr val="tx1"/>
+          </a:fontRef>
+        </p:style>
+      </p:cxnSp>
+      <p:sp>
+        <p:nvSpPr>
+          <p:cNvPr id="125" name="ZoneTexte 124"/>
+          <p:cNvSpPr txBox="1"/>
+          <p:nvPr/>
+        </p:nvSpPr>
+        <p:spPr>
+          <a:xfrm>
+            <a:off x="8522105" y="4481008"/>
+            <a:ext cx="2090765" cy="369332"/>
+          </a:xfrm>
+          <a:prstGeom prst="rect">
+            <a:avLst/>
+          </a:prstGeom>
+          <a:noFill/>
+        </p:spPr>
+        <p:txBody>
+          <a:bodyPr wrap="none" rtlCol="0">
+            <a:spAutoFit/>
+          </a:bodyPr>
+          <a:lstStyle/>
+          <a:p>
+            <a:pPr algn="ctr"/>
+            <a:r>
+              <a:rPr lang="fr-FR" dirty="0" smtClean="0"/>
+              <a:t>First </a:t>
+            </a:r>
+            <a:r>
+              <a:rPr lang="fr-FR" dirty="0" err="1" smtClean="0"/>
+              <a:t>try</a:t>
+            </a:r>
+            <a:r>
+              <a:rPr lang="fr-FR" dirty="0" smtClean="0"/>
+              <a:t> architecture</a:t>
+            </a:r>
           </a:p>
         </p:txBody>
       </p:sp>
